--- a/PPT/Python10-Polymorphism.pptx
+++ b/PPT/Python10-Polymorphism.pptx
@@ -5,24 +5,23 @@
     <p:sldMasterId id="2147483653" r:id="rId1"/>
   </p:sldMasterIdLst>
   <p:notesMasterIdLst>
-    <p:notesMasterId r:id="rId14"/>
+    <p:notesMasterId r:id="rId13"/>
   </p:notesMasterIdLst>
   <p:handoutMasterIdLst>
-    <p:handoutMasterId r:id="rId15"/>
+    <p:handoutMasterId r:id="rId14"/>
   </p:handoutMasterIdLst>
   <p:sldIdLst>
     <p:sldId id="264" r:id="rId2"/>
     <p:sldId id="291" r:id="rId3"/>
     <p:sldId id="299" r:id="rId4"/>
     <p:sldId id="292" r:id="rId5"/>
-    <p:sldId id="300" r:id="rId6"/>
-    <p:sldId id="293" r:id="rId7"/>
-    <p:sldId id="306" r:id="rId8"/>
-    <p:sldId id="310" r:id="rId9"/>
-    <p:sldId id="311" r:id="rId10"/>
-    <p:sldId id="312" r:id="rId11"/>
-    <p:sldId id="314" r:id="rId12"/>
-    <p:sldId id="313" r:id="rId13"/>
+    <p:sldId id="293" r:id="rId6"/>
+    <p:sldId id="306" r:id="rId7"/>
+    <p:sldId id="310" r:id="rId8"/>
+    <p:sldId id="311" r:id="rId9"/>
+    <p:sldId id="312" r:id="rId10"/>
+    <p:sldId id="314" r:id="rId11"/>
+    <p:sldId id="313" r:id="rId12"/>
   </p:sldIdLst>
   <p:sldSz cx="9144000" cy="6858000" type="screen4x3"/>
   <p:notesSz cx="6648450" cy="9782175"/>
@@ -615,35 +614,35 @@
           <a:p>
             <a:pPr lvl="0"/>
             <a:r>
-              <a:rPr lang="fr-FR" noProof="0" smtClean="0"/>
+              <a:rPr lang="fr-FR" noProof="0"/>
               <a:t>Cliquez pour modifier les styles du texte du masque</a:t>
             </a:r>
           </a:p>
           <a:p>
             <a:pPr lvl="1"/>
             <a:r>
-              <a:rPr lang="fr-FR" noProof="0" smtClean="0"/>
+              <a:rPr lang="fr-FR" noProof="0"/>
               <a:t>Deuxième niveau</a:t>
             </a:r>
           </a:p>
           <a:p>
             <a:pPr lvl="2"/>
             <a:r>
-              <a:rPr lang="fr-FR" noProof="0" smtClean="0"/>
+              <a:rPr lang="fr-FR" noProof="0"/>
               <a:t>Troisième niveau</a:t>
             </a:r>
           </a:p>
           <a:p>
             <a:pPr lvl="3"/>
             <a:r>
-              <a:rPr lang="fr-FR" noProof="0" smtClean="0"/>
+              <a:rPr lang="fr-FR" noProof="0"/>
               <a:t>Quatrième niveau</a:t>
             </a:r>
           </a:p>
           <a:p>
             <a:pPr lvl="4"/>
             <a:r>
-              <a:rPr lang="fr-FR" noProof="0" smtClean="0"/>
+              <a:rPr lang="fr-FR" noProof="0"/>
               <a:t>Cinquième niveau</a:t>
             </a:r>
           </a:p>
@@ -1072,7 +1071,7 @@
           <a:lstStyle/>
           <a:p>
             <a:pPr eaLnBrk="1" hangingPunct="1"/>
-            <a:endParaRPr lang="en-US" altLang="fr-FR" smtClean="0"/>
+            <a:endParaRPr lang="en-US" altLang="fr-FR"/>
           </a:p>
         </p:txBody>
       </p:sp>
@@ -1268,7 +1267,7 @@
           <a:lstStyle/>
           <a:p>
             <a:pPr eaLnBrk="1" hangingPunct="1"/>
-            <a:endParaRPr lang="en-US" altLang="fr-FR" smtClean="0"/>
+            <a:endParaRPr lang="en-US" altLang="fr-FR"/>
           </a:p>
         </p:txBody>
       </p:sp>
@@ -1422,7 +1421,7 @@
             <a:fld id="{A99D6563-79E5-46F8-A10A-BB79EE27AA15}" type="slidenum">
               <a:rPr lang="en-US" altLang="fr-FR" sz="1200"/>
               <a:pPr/>
-              <a:t>6</a:t>
+              <a:t>5</a:t>
             </a:fld>
             <a:endParaRPr lang="en-US" altLang="fr-FR" sz="1200"/>
           </a:p>
@@ -1464,7 +1463,7 @@
           <a:lstStyle/>
           <a:p>
             <a:pPr eaLnBrk="1" hangingPunct="1"/>
-            <a:endParaRPr lang="en-US" altLang="fr-FR" smtClean="0"/>
+            <a:endParaRPr lang="en-US" altLang="fr-FR"/>
           </a:p>
         </p:txBody>
       </p:sp>
@@ -1519,10 +1518,9 @@
           <a:lstStyle/>
           <a:p>
             <a:r>
-              <a:rPr lang="fr-FR" smtClean="0"/>
+              <a:rPr lang="fr-FR"/>
               <a:t>Cliquez pour modifier le style du titre</a:t>
             </a:r>
-            <a:endParaRPr lang="fr-FR"/>
           </a:p>
         </p:txBody>
       </p:sp>
@@ -1584,10 +1582,9 @@
           </a:lstStyle>
           <a:p>
             <a:r>
-              <a:rPr lang="fr-FR" smtClean="0"/>
+              <a:rPr lang="fr-FR"/>
               <a:t>Cliquez pour modifier le style des sous-titres du masque</a:t>
             </a:r>
-            <a:endParaRPr lang="fr-FR"/>
           </a:p>
         </p:txBody>
       </p:sp>
@@ -1642,10 +1639,9 @@
           <a:lstStyle/>
           <a:p>
             <a:r>
-              <a:rPr lang="fr-FR" smtClean="0"/>
+              <a:rPr lang="fr-FR"/>
               <a:t>Cliquez pour modifier le style du titre</a:t>
             </a:r>
-            <a:endParaRPr lang="fr-FR"/>
           </a:p>
         </p:txBody>
       </p:sp>
@@ -1671,38 +1667,37 @@
           <a:p>
             <a:pPr lvl="0"/>
             <a:r>
-              <a:rPr lang="fr-FR" smtClean="0"/>
+              <a:rPr lang="fr-FR"/>
               <a:t>Cliquez pour modifier les styles du texte du masque</a:t>
             </a:r>
           </a:p>
           <a:p>
             <a:pPr lvl="1"/>
             <a:r>
-              <a:rPr lang="fr-FR" smtClean="0"/>
+              <a:rPr lang="fr-FR"/>
               <a:t>Deuxième niveau</a:t>
             </a:r>
           </a:p>
           <a:p>
             <a:pPr lvl="2"/>
             <a:r>
-              <a:rPr lang="fr-FR" smtClean="0"/>
+              <a:rPr lang="fr-FR"/>
               <a:t>Troisième niveau</a:t>
             </a:r>
           </a:p>
           <a:p>
             <a:pPr lvl="3"/>
             <a:r>
-              <a:rPr lang="fr-FR" smtClean="0"/>
+              <a:rPr lang="fr-FR"/>
               <a:t>Quatrième niveau</a:t>
             </a:r>
           </a:p>
           <a:p>
             <a:pPr lvl="4"/>
             <a:r>
-              <a:rPr lang="fr-FR" smtClean="0"/>
+              <a:rPr lang="fr-FR"/>
               <a:t>Cinquième niveau</a:t>
             </a:r>
-            <a:endParaRPr lang="fr-FR"/>
           </a:p>
         </p:txBody>
       </p:sp>
@@ -1761,10 +1756,9 @@
           </a:lstStyle>
           <a:p>
             <a:r>
-              <a:rPr lang="fr-FR" dirty="0" smtClean="0"/>
+              <a:rPr lang="fr-FR" dirty="0"/>
               <a:t>Cliquez pour modifier le style du titre</a:t>
             </a:r>
-            <a:endParaRPr lang="fr-FR" dirty="0"/>
           </a:p>
         </p:txBody>
       </p:sp>
@@ -1790,38 +1784,37 @@
           <a:p>
             <a:pPr lvl="0"/>
             <a:r>
-              <a:rPr lang="fr-FR" dirty="0" smtClean="0"/>
+              <a:rPr lang="fr-FR" dirty="0"/>
               <a:t>Cliquez pour modifier les styles du texte du masque</a:t>
             </a:r>
           </a:p>
           <a:p>
             <a:pPr lvl="1"/>
             <a:r>
-              <a:rPr lang="fr-FR" dirty="0" smtClean="0"/>
+              <a:rPr lang="fr-FR" dirty="0"/>
               <a:t>Deuxième niveau</a:t>
             </a:r>
           </a:p>
           <a:p>
             <a:pPr lvl="2"/>
             <a:r>
-              <a:rPr lang="fr-FR" dirty="0" smtClean="0"/>
+              <a:rPr lang="fr-FR" dirty="0"/>
               <a:t>Troisième niveau</a:t>
             </a:r>
           </a:p>
           <a:p>
             <a:pPr lvl="3"/>
             <a:r>
-              <a:rPr lang="fr-FR" dirty="0" smtClean="0"/>
+              <a:rPr lang="fr-FR" dirty="0"/>
               <a:t>Quatrième niveau</a:t>
             </a:r>
           </a:p>
           <a:p>
             <a:pPr lvl="4"/>
             <a:r>
-              <a:rPr lang="fr-FR" dirty="0" smtClean="0"/>
+              <a:rPr lang="fr-FR" dirty="0"/>
               <a:t>Cinquième niveau</a:t>
             </a:r>
-            <a:endParaRPr lang="fr-FR" dirty="0"/>
           </a:p>
         </p:txBody>
       </p:sp>
@@ -1871,10 +1864,9 @@
           <a:lstStyle/>
           <a:p>
             <a:r>
-              <a:rPr lang="fr-FR" smtClean="0"/>
+              <a:rPr lang="fr-FR"/>
               <a:t>Cliquez pour modifier le style du titre</a:t>
             </a:r>
-            <a:endParaRPr lang="fr-FR"/>
           </a:p>
         </p:txBody>
       </p:sp>
@@ -1928,38 +1920,37 @@
           <a:p>
             <a:pPr lvl="0"/>
             <a:r>
-              <a:rPr lang="fr-FR" smtClean="0"/>
+              <a:rPr lang="fr-FR"/>
               <a:t>Cliquez pour modifier les styles du texte du masque</a:t>
             </a:r>
           </a:p>
           <a:p>
             <a:pPr lvl="1"/>
             <a:r>
-              <a:rPr lang="fr-FR" smtClean="0"/>
+              <a:rPr lang="fr-FR"/>
               <a:t>Deuxième niveau</a:t>
             </a:r>
           </a:p>
           <a:p>
             <a:pPr lvl="2"/>
             <a:r>
-              <a:rPr lang="fr-FR" smtClean="0"/>
+              <a:rPr lang="fr-FR"/>
               <a:t>Troisième niveau</a:t>
             </a:r>
           </a:p>
           <a:p>
             <a:pPr lvl="3"/>
             <a:r>
-              <a:rPr lang="fr-FR" smtClean="0"/>
+              <a:rPr lang="fr-FR"/>
               <a:t>Quatrième niveau</a:t>
             </a:r>
           </a:p>
           <a:p>
             <a:pPr lvl="4"/>
             <a:r>
-              <a:rPr lang="fr-FR" smtClean="0"/>
+              <a:rPr lang="fr-FR"/>
               <a:t>Cinquième niveau</a:t>
             </a:r>
-            <a:endParaRPr lang="fr-FR"/>
           </a:p>
         </p:txBody>
       </p:sp>
@@ -2013,38 +2004,37 @@
           <a:p>
             <a:pPr lvl="0"/>
             <a:r>
-              <a:rPr lang="fr-FR" smtClean="0"/>
+              <a:rPr lang="fr-FR"/>
               <a:t>Cliquez pour modifier les styles du texte du masque</a:t>
             </a:r>
           </a:p>
           <a:p>
             <a:pPr lvl="1"/>
             <a:r>
-              <a:rPr lang="fr-FR" smtClean="0"/>
+              <a:rPr lang="fr-FR"/>
               <a:t>Deuxième niveau</a:t>
             </a:r>
           </a:p>
           <a:p>
             <a:pPr lvl="2"/>
             <a:r>
-              <a:rPr lang="fr-FR" smtClean="0"/>
+              <a:rPr lang="fr-FR"/>
               <a:t>Troisième niveau</a:t>
             </a:r>
           </a:p>
           <a:p>
             <a:pPr lvl="3"/>
             <a:r>
-              <a:rPr lang="fr-FR" smtClean="0"/>
+              <a:rPr lang="fr-FR"/>
               <a:t>Quatrième niveau</a:t>
             </a:r>
           </a:p>
           <a:p>
             <a:pPr lvl="4"/>
             <a:r>
-              <a:rPr lang="fr-FR" smtClean="0"/>
+              <a:rPr lang="fr-FR"/>
               <a:t>Cinquième niveau</a:t>
             </a:r>
-            <a:endParaRPr lang="fr-FR"/>
           </a:p>
         </p:txBody>
       </p:sp>
@@ -2103,10 +2093,9 @@
           </a:lstStyle>
           <a:p>
             <a:r>
-              <a:rPr lang="fr-FR" smtClean="0"/>
+              <a:rPr lang="fr-FR"/>
               <a:t>Cliquez pour modifier le style du titre</a:t>
             </a:r>
-            <a:endParaRPr lang="fr-FR"/>
           </a:p>
         </p:txBody>
       </p:sp>
@@ -2169,7 +2158,7 @@
           <a:p>
             <a:pPr lvl="0"/>
             <a:r>
-              <a:rPr lang="fr-FR" smtClean="0"/>
+              <a:rPr lang="fr-FR"/>
               <a:t>Cliquez pour modifier les styles du texte du masque</a:t>
             </a:r>
           </a:p>
@@ -2225,38 +2214,37 @@
           <a:p>
             <a:pPr lvl="0"/>
             <a:r>
-              <a:rPr lang="fr-FR" smtClean="0"/>
+              <a:rPr lang="fr-FR"/>
               <a:t>Cliquez pour modifier les styles du texte du masque</a:t>
             </a:r>
           </a:p>
           <a:p>
             <a:pPr lvl="1"/>
             <a:r>
-              <a:rPr lang="fr-FR" smtClean="0"/>
+              <a:rPr lang="fr-FR"/>
               <a:t>Deuxième niveau</a:t>
             </a:r>
           </a:p>
           <a:p>
             <a:pPr lvl="2"/>
             <a:r>
-              <a:rPr lang="fr-FR" smtClean="0"/>
+              <a:rPr lang="fr-FR"/>
               <a:t>Troisième niveau</a:t>
             </a:r>
           </a:p>
           <a:p>
             <a:pPr lvl="3"/>
             <a:r>
-              <a:rPr lang="fr-FR" smtClean="0"/>
+              <a:rPr lang="fr-FR"/>
               <a:t>Quatrième niveau</a:t>
             </a:r>
           </a:p>
           <a:p>
             <a:pPr lvl="4"/>
             <a:r>
-              <a:rPr lang="fr-FR" smtClean="0"/>
+              <a:rPr lang="fr-FR"/>
               <a:t>Cinquième niveau</a:t>
             </a:r>
-            <a:endParaRPr lang="fr-FR"/>
           </a:p>
         </p:txBody>
       </p:sp>
@@ -2319,7 +2307,7 @@
           <a:p>
             <a:pPr lvl="0"/>
             <a:r>
-              <a:rPr lang="fr-FR" smtClean="0"/>
+              <a:rPr lang="fr-FR"/>
               <a:t>Cliquez pour modifier les styles du texte du masque</a:t>
             </a:r>
           </a:p>
@@ -2375,38 +2363,37 @@
           <a:p>
             <a:pPr lvl="0"/>
             <a:r>
-              <a:rPr lang="fr-FR" smtClean="0"/>
+              <a:rPr lang="fr-FR"/>
               <a:t>Cliquez pour modifier les styles du texte du masque</a:t>
             </a:r>
           </a:p>
           <a:p>
             <a:pPr lvl="1"/>
             <a:r>
-              <a:rPr lang="fr-FR" smtClean="0"/>
+              <a:rPr lang="fr-FR"/>
               <a:t>Deuxième niveau</a:t>
             </a:r>
           </a:p>
           <a:p>
             <a:pPr lvl="2"/>
             <a:r>
-              <a:rPr lang="fr-FR" smtClean="0"/>
+              <a:rPr lang="fr-FR"/>
               <a:t>Troisième niveau</a:t>
             </a:r>
           </a:p>
           <a:p>
             <a:pPr lvl="3"/>
             <a:r>
-              <a:rPr lang="fr-FR" smtClean="0"/>
+              <a:rPr lang="fr-FR"/>
               <a:t>Quatrième niveau</a:t>
             </a:r>
           </a:p>
           <a:p>
             <a:pPr lvl="4"/>
             <a:r>
-              <a:rPr lang="fr-FR" smtClean="0"/>
+              <a:rPr lang="fr-FR"/>
               <a:t>Cinquième niveau</a:t>
             </a:r>
-            <a:endParaRPr lang="fr-FR"/>
           </a:p>
         </p:txBody>
       </p:sp>
@@ -2456,10 +2443,9 @@
           <a:lstStyle/>
           <a:p>
             <a:r>
-              <a:rPr lang="fr-FR" smtClean="0"/>
+              <a:rPr lang="fr-FR"/>
               <a:t>Cliquez pour modifier le style du titre</a:t>
             </a:r>
-            <a:endParaRPr lang="fr-FR"/>
           </a:p>
         </p:txBody>
       </p:sp>
@@ -2548,10 +2534,9 @@
           </a:lstStyle>
           <a:p>
             <a:r>
-              <a:rPr lang="fr-FR" smtClean="0"/>
+              <a:rPr lang="fr-FR"/>
               <a:t>Cliquez pour modifier le style du titre</a:t>
             </a:r>
-            <a:endParaRPr lang="fr-FR"/>
           </a:p>
         </p:txBody>
       </p:sp>
@@ -2605,38 +2590,37 @@
           <a:p>
             <a:pPr lvl="0"/>
             <a:r>
-              <a:rPr lang="fr-FR" smtClean="0"/>
+              <a:rPr lang="fr-FR"/>
               <a:t>Cliquez pour modifier les styles du texte du masque</a:t>
             </a:r>
           </a:p>
           <a:p>
             <a:pPr lvl="1"/>
             <a:r>
-              <a:rPr lang="fr-FR" smtClean="0"/>
+              <a:rPr lang="fr-FR"/>
               <a:t>Deuxième niveau</a:t>
             </a:r>
           </a:p>
           <a:p>
             <a:pPr lvl="2"/>
             <a:r>
-              <a:rPr lang="fr-FR" smtClean="0"/>
+              <a:rPr lang="fr-FR"/>
               <a:t>Troisième niveau</a:t>
             </a:r>
           </a:p>
           <a:p>
             <a:pPr lvl="3"/>
             <a:r>
-              <a:rPr lang="fr-FR" smtClean="0"/>
+              <a:rPr lang="fr-FR"/>
               <a:t>Quatrième niveau</a:t>
             </a:r>
           </a:p>
           <a:p>
             <a:pPr lvl="4"/>
             <a:r>
-              <a:rPr lang="fr-FR" smtClean="0"/>
+              <a:rPr lang="fr-FR"/>
               <a:t>Cinquième niveau</a:t>
             </a:r>
-            <a:endParaRPr lang="fr-FR"/>
           </a:p>
         </p:txBody>
       </p:sp>
@@ -2699,7 +2683,7 @@
           <a:p>
             <a:pPr lvl="0"/>
             <a:r>
-              <a:rPr lang="fr-FR" smtClean="0"/>
+              <a:rPr lang="fr-FR"/>
               <a:t>Cliquez pour modifier les styles du texte du masque</a:t>
             </a:r>
           </a:p>
@@ -2760,10 +2744,9 @@
           </a:lstStyle>
           <a:p>
             <a:r>
-              <a:rPr lang="fr-FR" smtClean="0"/>
+              <a:rPr lang="fr-FR"/>
               <a:t>Cliquez pour modifier le style du titre</a:t>
             </a:r>
-            <a:endParaRPr lang="fr-FR"/>
           </a:p>
         </p:txBody>
       </p:sp>
@@ -2825,7 +2808,7 @@
           </a:lstStyle>
           <a:p>
             <a:pPr lvl="0"/>
-            <a:endParaRPr lang="fr-FR" noProof="0" smtClean="0"/>
+            <a:endParaRPr lang="fr-FR" noProof="0"/>
           </a:p>
         </p:txBody>
       </p:sp>
@@ -2888,7 +2871,7 @@
           <a:p>
             <a:pPr lvl="0"/>
             <a:r>
-              <a:rPr lang="fr-FR" smtClean="0"/>
+              <a:rPr lang="fr-FR"/>
               <a:t>Cliquez pour modifier les styles du texte du masque</a:t>
             </a:r>
           </a:p>
@@ -2940,10 +2923,9 @@
           <a:lstStyle/>
           <a:p>
             <a:r>
-              <a:rPr lang="fr-FR" smtClean="0"/>
+              <a:rPr lang="fr-FR"/>
               <a:t>Cliquez pour modifier le style du titre</a:t>
             </a:r>
-            <a:endParaRPr lang="fr-FR"/>
           </a:p>
         </p:txBody>
       </p:sp>
@@ -2964,38 +2946,37 @@
           <a:p>
             <a:pPr lvl="0"/>
             <a:r>
-              <a:rPr lang="fr-FR" smtClean="0"/>
+              <a:rPr lang="fr-FR"/>
               <a:t>Cliquez pour modifier les styles du texte du masque</a:t>
             </a:r>
           </a:p>
           <a:p>
             <a:pPr lvl="1"/>
             <a:r>
-              <a:rPr lang="fr-FR" smtClean="0"/>
+              <a:rPr lang="fr-FR"/>
               <a:t>Deuxième niveau</a:t>
             </a:r>
           </a:p>
           <a:p>
             <a:pPr lvl="2"/>
             <a:r>
-              <a:rPr lang="fr-FR" smtClean="0"/>
+              <a:rPr lang="fr-FR"/>
               <a:t>Troisième niveau</a:t>
             </a:r>
           </a:p>
           <a:p>
             <a:pPr lvl="3"/>
             <a:r>
-              <a:rPr lang="fr-FR" smtClean="0"/>
+              <a:rPr lang="fr-FR"/>
               <a:t>Quatrième niveau</a:t>
             </a:r>
           </a:p>
           <a:p>
             <a:pPr lvl="4"/>
             <a:r>
-              <a:rPr lang="fr-FR" smtClean="0"/>
+              <a:rPr lang="fr-FR"/>
               <a:t>Cinquième niveau</a:t>
             </a:r>
-            <a:endParaRPr lang="fr-FR"/>
           </a:p>
         </p:txBody>
       </p:sp>
@@ -3176,7 +3157,7 @@
             <a:pPr eaLnBrk="1" hangingPunct="1">
               <a:defRPr/>
             </a:pPr>
-            <a:endParaRPr lang="fr-FR" altLang="fr-FR" smtClean="0"/>
+            <a:endParaRPr lang="fr-FR" altLang="fr-FR"/>
           </a:p>
         </p:txBody>
       </p:sp>
@@ -3330,7 +3311,7 @@
               <a:defRPr/>
             </a:pPr>
             <a:r>
-              <a:rPr lang="fr-FR" sz="1200" dirty="0" smtClean="0"/>
+              <a:rPr lang="fr-FR" sz="1200" dirty="0"/>
               <a:t>Page </a:t>
             </a:r>
             <a:fld id="{E218E9B1-FD08-4C80-902E-210BA2967D0D}" type="slidenum">
@@ -3343,7 +3324,7 @@
               </a:pPr>
               <a:t>‹N°›</a:t>
             </a:fld>
-            <a:endParaRPr lang="fr-FR" dirty="0" smtClean="0">
+            <a:endParaRPr lang="fr-FR" dirty="0">
               <a:latin typeface="Times New Roman" pitchFamily="18" charset="0"/>
             </a:endParaRPr>
           </a:p>
@@ -3499,10 +3480,10 @@
               <a:defRPr/>
             </a:pPr>
             <a:r>
-              <a:rPr lang="fr-FR" sz="1600" dirty="0" smtClean="0"/>
+              <a:rPr lang="fr-FR" sz="1600" dirty="0"/>
               <a:t>Python</a:t>
             </a:r>
-            <a:endParaRPr lang="fr-FR" dirty="0" smtClean="0">
+            <a:endParaRPr lang="fr-FR" dirty="0">
               <a:latin typeface="Times New Roman" pitchFamily="18" charset="0"/>
             </a:endParaRPr>
           </a:p>
@@ -3560,7 +3541,7 @@
           <a:p>
             <a:pPr lvl="0"/>
             <a:r>
-              <a:rPr lang="fr-FR" altLang="fr-FR" smtClean="0"/>
+              <a:rPr lang="fr-FR" altLang="fr-FR"/>
               <a:t>Cliquez pour modifier le style du titre du masque</a:t>
             </a:r>
           </a:p>
@@ -3618,35 +3599,35 @@
           <a:p>
             <a:pPr lvl="0"/>
             <a:r>
-              <a:rPr lang="fr-FR" altLang="fr-FR" smtClean="0"/>
+              <a:rPr lang="fr-FR" altLang="fr-FR"/>
               <a:t>Cliquez pour modifier les styles du texte du masque</a:t>
             </a:r>
           </a:p>
           <a:p>
             <a:pPr lvl="1"/>
             <a:r>
-              <a:rPr lang="fr-FR" altLang="fr-FR" smtClean="0"/>
+              <a:rPr lang="fr-FR" altLang="fr-FR"/>
               <a:t>Deuxième niveau</a:t>
             </a:r>
           </a:p>
           <a:p>
             <a:pPr lvl="2"/>
             <a:r>
-              <a:rPr lang="fr-FR" altLang="fr-FR" smtClean="0"/>
+              <a:rPr lang="fr-FR" altLang="fr-FR"/>
               <a:t>Troisième niveau</a:t>
             </a:r>
           </a:p>
           <a:p>
             <a:pPr lvl="3"/>
             <a:r>
-              <a:rPr lang="fr-FR" altLang="fr-FR" smtClean="0"/>
+              <a:rPr lang="fr-FR" altLang="fr-FR"/>
               <a:t>Quatrième niveau</a:t>
             </a:r>
           </a:p>
           <a:p>
             <a:pPr lvl="4"/>
             <a:r>
-              <a:rPr lang="fr-FR" altLang="fr-FR" smtClean="0"/>
+              <a:rPr lang="fr-FR" altLang="fr-FR"/>
               <a:t>Cinquième niveau</a:t>
             </a:r>
           </a:p>
@@ -3802,10 +3783,10 @@
               <a:defRPr/>
             </a:pPr>
             <a:r>
-              <a:rPr lang="fr-FR" sz="1200" smtClean="0"/>
+              <a:rPr lang="fr-FR" sz="1200"/>
               <a:t>© Cyril Vincent Conseil</a:t>
             </a:r>
-            <a:endParaRPr lang="fr-FR" smtClean="0">
+            <a:endParaRPr lang="fr-FR">
               <a:latin typeface="Times New Roman" pitchFamily="18" charset="0"/>
             </a:endParaRPr>
           </a:p>
@@ -4287,14 +4268,14 @@
           <a:p>
             <a:pPr eaLnBrk="1" hangingPunct="1"/>
             <a:r>
-              <a:rPr lang="fr-FR" altLang="fr-FR" dirty="0" smtClean="0"/>
+              <a:rPr lang="fr-FR" altLang="fr-FR" dirty="0"/>
               <a:t>Chapitre 10</a:t>
             </a:r>
           </a:p>
           <a:p>
             <a:pPr eaLnBrk="1" hangingPunct="1"/>
             <a:r>
-              <a:rPr lang="fr-FR" altLang="fr-FR" dirty="0" smtClean="0"/>
+              <a:rPr lang="fr-FR" altLang="fr-FR" dirty="0"/>
               <a:t>Polymorphisme</a:t>
             </a:r>
           </a:p>
@@ -4346,13 +4327,6 @@
   <p:clrMapOvr>
     <a:masterClrMapping/>
   </p:clrMapOvr>
-  <p:timing>
-    <p:tnLst>
-      <p:par>
-        <p:cTn id="1" dur="indefinite" restart="never" nodeType="tmRoot"/>
-      </p:par>
-    </p:tnLst>
-  </p:timing>
 </p:sld>
 </file>
 
@@ -4389,8 +4363,8 @@
           <a:lstStyle/>
           <a:p>
             <a:r>
-              <a:rPr lang="fr-FR" dirty="0" smtClean="0"/>
-              <a:t>Redéfinition ABC</a:t>
+              <a:rPr lang="fr-FR"/>
+              <a:t>3 dots</a:t>
             </a:r>
             <a:endParaRPr lang="fr-FR" dirty="0"/>
           </a:p>
@@ -4412,77 +4386,78 @@
           <a:lstStyle/>
           <a:p>
             <a:r>
-              <a:rPr lang="fr-FR" dirty="0" smtClean="0"/>
-              <a:t>Rien à faire !</a:t>
+              <a:rPr lang="fr-FR" dirty="0"/>
+              <a:t>Permet de signifier qu’une méthode ne possède pas de code</a:t>
             </a:r>
           </a:p>
           <a:p>
             <a:pPr lvl="1"/>
             <a:r>
-              <a:rPr lang="fr-FR" dirty="0" smtClean="0"/>
-              <a:t>Comme Java</a:t>
+              <a:rPr lang="fr-FR" dirty="0"/>
+              <a:t>Réservé aux méthodes abstraites</a:t>
             </a:r>
           </a:p>
           <a:p>
             <a:pPr lvl="1"/>
             <a:r>
-              <a:rPr lang="fr-FR" dirty="0" smtClean="0"/>
-              <a:t>Toutes les méthodes et propriétés abstraites doivent être implémentés</a:t>
-            </a:r>
-          </a:p>
-          <a:p>
-            <a:pPr lvl="2"/>
-            <a:r>
-              <a:rPr lang="fr-FR" dirty="0" smtClean="0"/>
-              <a:t>Sinon erreur lors de l’instanciation</a:t>
-            </a:r>
-          </a:p>
-          <a:p>
+              <a:rPr lang="fr-FR" dirty="0"/>
+              <a:t>Remplace </a:t>
+            </a:r>
+            <a:r>
+              <a:rPr lang="fr-FR" dirty="0" err="1"/>
+              <a:t>pass</a:t>
+            </a:r>
             <a:endParaRPr lang="fr-FR" dirty="0"/>
+          </a:p>
+          <a:p>
+            <a:r>
+              <a:rPr lang="fr-FR" dirty="0"/>
+              <a:t>@</a:t>
+            </a:r>
+            <a:r>
+              <a:rPr lang="fr-FR" dirty="0" err="1"/>
+              <a:t>abc.abstractmethod</a:t>
+            </a:r>
+            <a:endParaRPr lang="fr-FR" dirty="0"/>
+          </a:p>
+          <a:p>
+            <a:r>
+              <a:rPr lang="fr-FR" dirty="0" err="1"/>
+              <a:t>def</a:t>
+            </a:r>
+            <a:r>
+              <a:rPr lang="fr-FR" dirty="0"/>
+              <a:t> </a:t>
+            </a:r>
+            <a:r>
+              <a:rPr lang="fr-FR" dirty="0" err="1"/>
+              <a:t>my_method</a:t>
+            </a:r>
+            <a:r>
+              <a:rPr lang="fr-FR" dirty="0"/>
+              <a:t>(</a:t>
+            </a:r>
+            <a:r>
+              <a:rPr lang="fr-FR" dirty="0" err="1"/>
+              <a:t>param</a:t>
+            </a:r>
+            <a:r>
+              <a:rPr lang="fr-FR" dirty="0"/>
+              <a:t>): … </a:t>
+            </a:r>
           </a:p>
         </p:txBody>
       </p:sp>
-      <p:pic>
-        <p:nvPicPr>
-          <p:cNvPr id="6" name="Image 5"/>
-          <p:cNvPicPr>
-            <a:picLocks noChangeAspect="1"/>
-          </p:cNvPicPr>
-          <p:nvPr/>
-        </p:nvPicPr>
-        <p:blipFill>
-          <a:blip r:embed="rId2"/>
-          <a:stretch>
-            <a:fillRect/>
-          </a:stretch>
-        </p:blipFill>
-        <p:spPr>
-          <a:xfrm>
-            <a:off x="5508104" y="3284984"/>
-            <a:ext cx="3308576" cy="2891847"/>
-          </a:xfrm>
-          <a:prstGeom prst="rect">
-            <a:avLst/>
-          </a:prstGeom>
-        </p:spPr>
-      </p:pic>
     </p:spTree>
     <p:extLst>
       <p:ext uri="{BB962C8B-B14F-4D97-AF65-F5344CB8AC3E}">
-        <p14:creationId xmlns:p14="http://schemas.microsoft.com/office/powerpoint/2010/main" val="3339144570"/>
+        <p14:creationId xmlns:p14="http://schemas.microsoft.com/office/powerpoint/2010/main" val="2642778357"/>
       </p:ext>
     </p:extLst>
   </p:cSld>
   <p:clrMapOvr>
     <a:masterClrMapping/>
   </p:clrMapOvr>
-  <p:timing>
-    <p:tnLst>
-      <p:par>
-        <p:cTn id="1" dur="indefinite" restart="never" nodeType="tmRoot"/>
-      </p:par>
-    </p:tnLst>
-  </p:timing>
 </p:sld>
 </file>
 
@@ -4519,10 +4494,9 @@
           <a:lstStyle/>
           <a:p>
             <a:r>
-              <a:rPr lang="fr-FR" smtClean="0"/>
-              <a:t>3 dots</a:t>
-            </a:r>
-            <a:endParaRPr lang="fr-FR" dirty="0"/>
+              <a:rPr lang="fr-FR" dirty="0"/>
+              <a:t>ABC DEF …</a:t>
+            </a:r>
           </a:p>
         </p:txBody>
       </p:sp>
@@ -4542,156 +4516,23 @@
           <a:lstStyle/>
           <a:p>
             <a:r>
-              <a:rPr lang="fr-FR" dirty="0" smtClean="0"/>
-              <a:t>Permet de signifier qu’une méthode ne possède pas de code</a:t>
+              <a:rPr lang="fr-FR" dirty="0"/>
+              <a:t>ABC ne fournit pas de notion d’interface</a:t>
             </a:r>
           </a:p>
           <a:p>
             <a:pPr lvl="1"/>
             <a:r>
-              <a:rPr lang="fr-FR" dirty="0" smtClean="0"/>
-              <a:t>Réservé aux méthodes abstraites</a:t>
+              <a:rPr lang="fr-FR" dirty="0"/>
+              <a:t>Inutile grâce à l’héritage multiple</a:t>
             </a:r>
           </a:p>
           <a:p>
             <a:pPr lvl="1"/>
             <a:r>
-              <a:rPr lang="fr-FR" dirty="0" smtClean="0"/>
-              <a:t>Remplace </a:t>
-            </a:r>
-            <a:r>
-              <a:rPr lang="fr-FR" dirty="0" err="1" smtClean="0"/>
-              <a:t>pass</a:t>
-            </a:r>
-            <a:endParaRPr lang="fr-FR" dirty="0" smtClean="0"/>
-          </a:p>
-          <a:p>
-            <a:r>
-              <a:rPr lang="fr-FR" dirty="0" smtClean="0"/>
-              <a:t>@</a:t>
-            </a:r>
-            <a:r>
-              <a:rPr lang="fr-FR" dirty="0" err="1" smtClean="0"/>
-              <a:t>abc.abstractmethod</a:t>
-            </a:r>
-            <a:endParaRPr lang="fr-FR" dirty="0" smtClean="0"/>
-          </a:p>
-          <a:p>
-            <a:r>
-              <a:rPr lang="fr-FR" dirty="0" err="1" smtClean="0"/>
-              <a:t>def</a:t>
-            </a:r>
-            <a:r>
-              <a:rPr lang="fr-FR" dirty="0" smtClean="0"/>
-              <a:t> </a:t>
-            </a:r>
-            <a:r>
-              <a:rPr lang="fr-FR" dirty="0" err="1" smtClean="0"/>
-              <a:t>my_method</a:t>
-            </a:r>
-            <a:r>
-              <a:rPr lang="fr-FR" dirty="0" smtClean="0"/>
-              <a:t>(</a:t>
-            </a:r>
-            <a:r>
-              <a:rPr lang="fr-FR" dirty="0" err="1" smtClean="0"/>
-              <a:t>param</a:t>
-            </a:r>
-            <a:r>
-              <a:rPr lang="fr-FR" dirty="0" smtClean="0"/>
-              <a:t>): … </a:t>
-            </a:r>
-            <a:endParaRPr lang="fr-FR" dirty="0"/>
-          </a:p>
-        </p:txBody>
-      </p:sp>
-    </p:spTree>
-    <p:extLst>
-      <p:ext uri="{BB962C8B-B14F-4D97-AF65-F5344CB8AC3E}">
-        <p14:creationId xmlns:p14="http://schemas.microsoft.com/office/powerpoint/2010/main" val="2642778357"/>
-      </p:ext>
-    </p:extLst>
-  </p:cSld>
-  <p:clrMapOvr>
-    <a:masterClrMapping/>
-  </p:clrMapOvr>
-</p:sld>
-</file>
-
-<file path=ppt/slides/slide12.xml><?xml version="1.0" encoding="utf-8"?>
-<p:sld xmlns:a="http://schemas.openxmlformats.org/drawingml/2006/main" xmlns:r="http://schemas.openxmlformats.org/officeDocument/2006/relationships" xmlns:p="http://schemas.openxmlformats.org/presentationml/2006/main">
-  <p:cSld>
-    <p:spTree>
-      <p:nvGrpSpPr>
-        <p:cNvPr id="1" name=""/>
-        <p:cNvGrpSpPr/>
-        <p:nvPr/>
-      </p:nvGrpSpPr>
-      <p:grpSpPr>
-        <a:xfrm>
-          <a:off x="0" y="0"/>
-          <a:ext cx="0" cy="0"/>
-          <a:chOff x="0" y="0"/>
-          <a:chExt cx="0" cy="0"/>
-        </a:xfrm>
-      </p:grpSpPr>
-      <p:sp>
-        <p:nvSpPr>
-          <p:cNvPr id="2" name="Titre 1"/>
-          <p:cNvSpPr>
-            <a:spLocks noGrp="1"/>
-          </p:cNvSpPr>
-          <p:nvPr>
-            <p:ph type="title"/>
-          </p:nvPr>
-        </p:nvSpPr>
-        <p:spPr/>
-        <p:txBody>
-          <a:bodyPr/>
-          <a:lstStyle/>
-          <a:p>
-            <a:r>
-              <a:rPr lang="fr-FR" dirty="0" smtClean="0"/>
-              <a:t>ABC DEF …</a:t>
-            </a:r>
-            <a:endParaRPr lang="fr-FR" dirty="0"/>
-          </a:p>
-        </p:txBody>
-      </p:sp>
-      <p:sp>
-        <p:nvSpPr>
-          <p:cNvPr id="3" name="Espace réservé du contenu 2"/>
-          <p:cNvSpPr>
-            <a:spLocks noGrp="1"/>
-          </p:cNvSpPr>
-          <p:nvPr>
-            <p:ph idx="1"/>
-          </p:nvPr>
-        </p:nvSpPr>
-        <p:spPr/>
-        <p:txBody>
-          <a:bodyPr/>
-          <a:lstStyle/>
-          <a:p>
-            <a:r>
-              <a:rPr lang="fr-FR" dirty="0" smtClean="0"/>
-              <a:t>ABC ne fournit pas de notion d’interface</a:t>
-            </a:r>
-          </a:p>
-          <a:p>
-            <a:pPr lvl="1"/>
-            <a:r>
-              <a:rPr lang="fr-FR" dirty="0" smtClean="0"/>
-              <a:t>Inutile grâce à l’héritage multiple</a:t>
-            </a:r>
-          </a:p>
-          <a:p>
-            <a:pPr lvl="1"/>
-            <a:r>
-              <a:rPr lang="fr-FR" dirty="0" smtClean="0"/>
+              <a:rPr lang="fr-FR" dirty="0"/>
               <a:t>Une interface est une classe abstraite où tout est abstrait</a:t>
             </a:r>
-            <a:endParaRPr lang="fr-FR" dirty="0"/>
           </a:p>
         </p:txBody>
       </p:sp>
@@ -4705,13 +4546,6 @@
   <p:clrMapOvr>
     <a:masterClrMapping/>
   </p:clrMapOvr>
-  <p:timing>
-    <p:tnLst>
-      <p:par>
-        <p:cTn id="1" dur="indefinite" restart="never" nodeType="tmRoot"/>
-      </p:par>
-    </p:tnLst>
-  </p:timing>
 </p:sld>
 </file>
 
@@ -4906,14 +4740,14 @@
           <a:lstStyle/>
           <a:p>
             <a:r>
-              <a:rPr lang="en-US" altLang="fr-FR" smtClean="0">
+              <a:rPr lang="en-US" altLang="fr-FR">
                 <a:solidFill>
                   <a:srgbClr val="000000"/>
                 </a:solidFill>
               </a:rPr>
               <a:t>Polymorphisme</a:t>
             </a:r>
-            <a:endParaRPr lang="en-GB" altLang="fr-FR" smtClean="0"/>
+            <a:endParaRPr lang="en-GB" altLang="fr-FR"/>
           </a:p>
         </p:txBody>
       </p:sp>
@@ -4938,7 +4772,7 @@
           <a:lstStyle/>
           <a:p>
             <a:r>
-              <a:rPr lang="en-US" altLang="fr-FR" sz="2000" dirty="0" smtClean="0">
+              <a:rPr lang="en-US" altLang="fr-FR" sz="2000" dirty="0">
                 <a:solidFill>
                   <a:srgbClr val="000000"/>
                 </a:solidFill>
@@ -4946,7 +4780,7 @@
               <a:t>Le nom de la </a:t>
             </a:r>
             <a:r>
-              <a:rPr lang="en-US" altLang="fr-FR" sz="2000" dirty="0" err="1" smtClean="0">
+              <a:rPr lang="en-US" altLang="fr-FR" sz="2000" dirty="0" err="1">
                 <a:solidFill>
                   <a:srgbClr val="000000"/>
                 </a:solidFill>
@@ -4954,7 +4788,7 @@
               <a:t>méthode</a:t>
             </a:r>
             <a:r>
-              <a:rPr lang="en-US" altLang="fr-FR" sz="2000" dirty="0" smtClean="0">
+              <a:rPr lang="en-US" altLang="fr-FR" sz="2000" dirty="0">
                 <a:solidFill>
                   <a:srgbClr val="000000"/>
                 </a:solidFill>
@@ -4962,7 +4796,7 @@
               <a:t> </a:t>
             </a:r>
             <a:r>
-              <a:rPr lang="en-US" altLang="fr-FR" sz="2000" dirty="0" err="1" smtClean="0">
+              <a:rPr lang="en-US" altLang="fr-FR" sz="2000" dirty="0" err="1">
                 <a:solidFill>
                   <a:srgbClr val="000000"/>
                 </a:solidFill>
@@ -4970,7 +4804,7 @@
               <a:t>réside</a:t>
             </a:r>
             <a:r>
-              <a:rPr lang="en-US" altLang="fr-FR" sz="2000" dirty="0" smtClean="0">
+              <a:rPr lang="en-US" altLang="fr-FR" sz="2000" dirty="0">
                 <a:solidFill>
                   <a:srgbClr val="000000"/>
                 </a:solidFill>
@@ -4978,7 +4812,7 @@
               <a:t> </a:t>
             </a:r>
             <a:r>
-              <a:rPr lang="en-US" altLang="fr-FR" sz="2000" dirty="0" err="1" smtClean="0">
+              <a:rPr lang="en-US" altLang="fr-FR" sz="2000" dirty="0" err="1">
                 <a:solidFill>
                   <a:srgbClr val="000000"/>
                 </a:solidFill>
@@ -4986,7 +4820,7 @@
               <a:t>dans</a:t>
             </a:r>
             <a:r>
-              <a:rPr lang="en-US" altLang="fr-FR" sz="2000" dirty="0" smtClean="0">
+              <a:rPr lang="en-US" altLang="fr-FR" sz="2000" dirty="0">
                 <a:solidFill>
                   <a:srgbClr val="000000"/>
                 </a:solidFill>
@@ -4994,7 +4828,7 @@
               <a:t> la </a:t>
             </a:r>
             <a:r>
-              <a:rPr lang="en-US" altLang="fr-FR" sz="2000" dirty="0" err="1" smtClean="0">
+              <a:rPr lang="en-US" altLang="fr-FR" sz="2000" dirty="0" err="1">
                 <a:solidFill>
                   <a:srgbClr val="000000"/>
                 </a:solidFill>
@@ -5002,18 +4836,18 @@
               <a:t>classe</a:t>
             </a:r>
             <a:r>
-              <a:rPr lang="en-US" altLang="fr-FR" sz="2000" dirty="0" smtClean="0">
+              <a:rPr lang="en-US" altLang="fr-FR" sz="2000" dirty="0">
                 <a:solidFill>
                   <a:srgbClr val="000000"/>
                 </a:solidFill>
               </a:rPr>
               <a:t> de base</a:t>
             </a:r>
-            <a:endParaRPr lang="en-GB" altLang="fr-FR" sz="2000" dirty="0" smtClean="0"/>
-          </a:p>
-          <a:p>
-            <a:r>
-              <a:rPr lang="en-US" altLang="fr-FR" sz="2000" dirty="0" smtClean="0">
+            <a:endParaRPr lang="en-GB" altLang="fr-FR" sz="2000" dirty="0"/>
+          </a:p>
+          <a:p>
+            <a:r>
+              <a:rPr lang="en-US" altLang="fr-FR" sz="2000" dirty="0">
                 <a:solidFill>
                   <a:srgbClr val="000000"/>
                 </a:solidFill>
@@ -5021,7 +4855,7 @@
               <a:t>Les </a:t>
             </a:r>
             <a:r>
-              <a:rPr lang="en-US" altLang="fr-FR" sz="2000" dirty="0" err="1" smtClean="0">
+              <a:rPr lang="en-US" altLang="fr-FR" sz="2000" dirty="0" err="1">
                 <a:solidFill>
                   <a:srgbClr val="000000"/>
                 </a:solidFill>
@@ -5029,7 +4863,7 @@
               <a:t>implémentations</a:t>
             </a:r>
             <a:r>
-              <a:rPr lang="en-US" altLang="fr-FR" sz="2000" dirty="0" smtClean="0">
+              <a:rPr lang="en-US" altLang="fr-FR" sz="2000" dirty="0">
                 <a:solidFill>
                   <a:srgbClr val="000000"/>
                 </a:solidFill>
@@ -5037,7 +4871,7 @@
               <a:t> de la </a:t>
             </a:r>
             <a:r>
-              <a:rPr lang="en-US" altLang="fr-FR" sz="2000" dirty="0" err="1" smtClean="0">
+              <a:rPr lang="en-US" altLang="fr-FR" sz="2000" dirty="0" err="1">
                 <a:solidFill>
                   <a:srgbClr val="000000"/>
                 </a:solidFill>
@@ -5045,7 +4879,7 @@
               <a:t>méthode</a:t>
             </a:r>
             <a:r>
-              <a:rPr lang="en-US" altLang="fr-FR" sz="2000" dirty="0" smtClean="0">
+              <a:rPr lang="en-US" altLang="fr-FR" sz="2000" dirty="0">
                 <a:solidFill>
                   <a:srgbClr val="000000"/>
                 </a:solidFill>
@@ -5053,7 +4887,7 @@
               <a:t> </a:t>
             </a:r>
             <a:r>
-              <a:rPr lang="en-US" altLang="fr-FR" sz="2000" dirty="0" err="1" smtClean="0">
+              <a:rPr lang="en-US" altLang="fr-FR" sz="2000" dirty="0" err="1">
                 <a:solidFill>
                   <a:srgbClr val="000000"/>
                 </a:solidFill>
@@ -5061,7 +4895,7 @@
               <a:t>résident</a:t>
             </a:r>
             <a:r>
-              <a:rPr lang="en-US" altLang="fr-FR" sz="2000" dirty="0" smtClean="0">
+              <a:rPr lang="en-US" altLang="fr-FR" sz="2000" dirty="0">
                 <a:solidFill>
                   <a:srgbClr val="000000"/>
                 </a:solidFill>
@@ -5069,7 +4903,7 @@
               <a:t> </a:t>
             </a:r>
             <a:r>
-              <a:rPr lang="en-US" altLang="fr-FR" sz="2000" dirty="0" err="1" smtClean="0">
+              <a:rPr lang="en-US" altLang="fr-FR" sz="2000" dirty="0" err="1">
                 <a:solidFill>
                   <a:srgbClr val="000000"/>
                 </a:solidFill>
@@ -5077,7 +4911,7 @@
               <a:t>dans</a:t>
             </a:r>
             <a:r>
-              <a:rPr lang="en-US" altLang="fr-FR" sz="2000" dirty="0" smtClean="0">
+              <a:rPr lang="en-US" altLang="fr-FR" sz="2000" dirty="0">
                 <a:solidFill>
                   <a:srgbClr val="000000"/>
                 </a:solidFill>
@@ -5085,14 +4919,14 @@
               <a:t> </a:t>
             </a:r>
             <a:br>
-              <a:rPr lang="en-US" altLang="fr-FR" sz="2000" dirty="0" smtClean="0">
+              <a:rPr lang="en-US" altLang="fr-FR" sz="2000" dirty="0">
                 <a:solidFill>
                   <a:srgbClr val="000000"/>
                 </a:solidFill>
               </a:rPr>
             </a:br>
             <a:r>
-              <a:rPr lang="en-US" altLang="fr-FR" sz="2000" dirty="0" smtClean="0">
+              <a:rPr lang="en-US" altLang="fr-FR" sz="2000" dirty="0">
                 <a:solidFill>
                   <a:srgbClr val="000000"/>
                 </a:solidFill>
@@ -5100,14 +4934,14 @@
               <a:t>les classes </a:t>
             </a:r>
             <a:r>
-              <a:rPr lang="en-US" altLang="fr-FR" sz="2000" dirty="0" err="1" smtClean="0">
+              <a:rPr lang="en-US" altLang="fr-FR" sz="2000" dirty="0" err="1">
                 <a:solidFill>
                   <a:srgbClr val="000000"/>
                 </a:solidFill>
               </a:rPr>
               <a:t>dérivées</a:t>
             </a:r>
-            <a:endParaRPr lang="en-GB" altLang="fr-FR" sz="2000" dirty="0" smtClean="0">
+            <a:endParaRPr lang="en-GB" altLang="fr-FR" sz="2000" dirty="0">
               <a:solidFill>
                 <a:srgbClr val="000000"/>
               </a:solidFill>
@@ -6258,13 +6092,6 @@
   <p:clrMapOvr>
     <a:masterClrMapping/>
   </p:clrMapOvr>
-  <p:timing>
-    <p:tnLst>
-      <p:par>
-        <p:cTn id="1" dur="indefinite" restart="never" nodeType="tmRoot"/>
-      </p:par>
-    </p:tnLst>
-  </p:timing>
 </p:sld>
 </file>
 
@@ -6301,10 +6128,9 @@
           <a:lstStyle/>
           <a:p>
             <a:r>
-              <a:rPr lang="fr-FR" dirty="0" smtClean="0"/>
+              <a:rPr lang="fr-FR" dirty="0"/>
               <a:t>Le polymorphisme en Python</a:t>
             </a:r>
-            <a:endParaRPr lang="fr-FR" dirty="0"/>
           </a:p>
         </p:txBody>
       </p:sp>
@@ -6329,22 +6155,21 @@
           <a:lstStyle/>
           <a:p>
             <a:r>
-              <a:rPr lang="fr-FR" dirty="0" smtClean="0"/>
+              <a:rPr lang="fr-FR" dirty="0"/>
               <a:t>Les méthodes sont automatiquement virtuelles</a:t>
             </a:r>
           </a:p>
           <a:p>
             <a:r>
-              <a:rPr lang="fr-FR" dirty="0" smtClean="0"/>
+              <a:rPr lang="fr-FR" dirty="0"/>
               <a:t>Les méthodes peuvent être redéfinies</a:t>
             </a:r>
           </a:p>
           <a:p>
             <a:r>
-              <a:rPr lang="fr-FR" dirty="0" smtClean="0"/>
+              <a:rPr lang="fr-FR" dirty="0"/>
               <a:t>Python va chercher la méthode la plus spécialisée</a:t>
             </a:r>
-            <a:endParaRPr lang="fr-FR" dirty="0"/>
           </a:p>
         </p:txBody>
       </p:sp>
@@ -6382,13 +6207,6 @@
   <p:clrMapOvr>
     <a:masterClrMapping/>
   </p:clrMapOvr>
-  <p:timing>
-    <p:tnLst>
-      <p:par>
-        <p:cTn id="1" dur="indefinite" restart="never" nodeType="tmRoot"/>
-      </p:par>
-    </p:tnLst>
-  </p:timing>
 </p:sld>
 </file>
 
@@ -6583,14 +6401,14 @@
           <a:lstStyle/>
           <a:p>
             <a:r>
-              <a:rPr lang="en-US" altLang="fr-FR" smtClean="0">
+              <a:rPr lang="en-US" altLang="fr-FR">
                 <a:solidFill>
                   <a:srgbClr val="000000"/>
                 </a:solidFill>
               </a:rPr>
               <a:t>Classes de base abstraites</a:t>
             </a:r>
-            <a:endParaRPr lang="en-GB" altLang="fr-FR" smtClean="0"/>
+            <a:endParaRPr lang="en-GB" altLang="fr-FR"/>
           </a:p>
         </p:txBody>
       </p:sp>
@@ -6615,7 +6433,7 @@
           <a:lstStyle/>
           <a:p>
             <a:r>
-              <a:rPr lang="en-US" altLang="fr-FR" sz="2400" dirty="0" err="1" smtClean="0">
+              <a:rPr lang="en-US" altLang="fr-FR" sz="2400" dirty="0" err="1">
                 <a:solidFill>
                   <a:srgbClr val="000000"/>
                 </a:solidFill>
@@ -6623,7 +6441,7 @@
               <a:t>Certaines</a:t>
             </a:r>
             <a:r>
-              <a:rPr lang="en-US" altLang="fr-FR" sz="2400" dirty="0" smtClean="0">
+              <a:rPr lang="en-US" altLang="fr-FR" sz="2400" dirty="0">
                 <a:solidFill>
                   <a:srgbClr val="000000"/>
                 </a:solidFill>
@@ -6631,7 +6449,7 @@
               <a:t> classes existent </a:t>
             </a:r>
             <a:r>
-              <a:rPr lang="en-US" altLang="fr-FR" sz="2400" dirty="0" err="1" smtClean="0">
+              <a:rPr lang="en-US" altLang="fr-FR" sz="2400" dirty="0" err="1">
                 <a:solidFill>
                   <a:srgbClr val="000000"/>
                 </a:solidFill>
@@ -6639,7 +6457,7 @@
               <a:t>dans</a:t>
             </a:r>
             <a:r>
-              <a:rPr lang="en-US" altLang="fr-FR" sz="2400" dirty="0" smtClean="0">
+              <a:rPr lang="en-US" altLang="fr-FR" sz="2400" dirty="0">
                 <a:solidFill>
                   <a:srgbClr val="000000"/>
                 </a:solidFill>
@@ -6647,7 +6465,7 @@
               <a:t> le </a:t>
             </a:r>
             <a:r>
-              <a:rPr lang="en-US" altLang="fr-FR" sz="2400" dirty="0" err="1" smtClean="0">
+              <a:rPr lang="en-US" altLang="fr-FR" sz="2400" dirty="0" err="1">
                 <a:solidFill>
                   <a:srgbClr val="000000"/>
                 </a:solidFill>
@@ -6655,7 +6473,7 @@
               <a:t>seul</a:t>
             </a:r>
             <a:r>
-              <a:rPr lang="en-US" altLang="fr-FR" sz="2400" dirty="0" smtClean="0">
+              <a:rPr lang="en-US" altLang="fr-FR" sz="2400" dirty="0">
                 <a:solidFill>
                   <a:srgbClr val="000000"/>
                 </a:solidFill>
@@ -6663,7 +6481,7 @@
               <a:t> but de </a:t>
             </a:r>
             <a:r>
-              <a:rPr lang="en-US" altLang="fr-FR" sz="2400" dirty="0" err="1" smtClean="0">
+              <a:rPr lang="en-US" altLang="fr-FR" sz="2400" dirty="0" err="1">
                 <a:solidFill>
                   <a:srgbClr val="000000"/>
                 </a:solidFill>
@@ -6671,7 +6489,7 @@
               <a:t>servir</a:t>
             </a:r>
             <a:r>
-              <a:rPr lang="en-US" altLang="fr-FR" sz="2400" dirty="0" smtClean="0">
+              <a:rPr lang="en-US" altLang="fr-FR" sz="2400" dirty="0">
                 <a:solidFill>
                   <a:srgbClr val="000000"/>
                 </a:solidFill>
@@ -6679,14 +6497,14 @@
               <a:t> </a:t>
             </a:r>
             <a:br>
-              <a:rPr lang="en-US" altLang="fr-FR" sz="2400" dirty="0" smtClean="0">
+              <a:rPr lang="en-US" altLang="fr-FR" sz="2400" dirty="0">
                 <a:solidFill>
                   <a:srgbClr val="000000"/>
                 </a:solidFill>
               </a:rPr>
             </a:br>
             <a:r>
-              <a:rPr lang="en-US" altLang="fr-FR" sz="2400" dirty="0" smtClean="0">
+              <a:rPr lang="en-US" altLang="fr-FR" sz="2400" dirty="0">
                 <a:solidFill>
                   <a:srgbClr val="000000"/>
                 </a:solidFill>
@@ -6694,19 +6512,19 @@
               <a:t>à la </a:t>
             </a:r>
             <a:r>
-              <a:rPr lang="en-US" altLang="fr-FR" sz="2400" dirty="0" err="1" smtClean="0">
+              <a:rPr lang="en-US" altLang="fr-FR" sz="2400" dirty="0" err="1">
                 <a:solidFill>
                   <a:srgbClr val="000000"/>
                 </a:solidFill>
               </a:rPr>
               <a:t>dérivation</a:t>
             </a:r>
-            <a:endParaRPr lang="en-GB" altLang="fr-FR" sz="2400" dirty="0" smtClean="0"/>
+            <a:endParaRPr lang="en-GB" altLang="fr-FR" sz="2400" dirty="0"/>
           </a:p>
           <a:p>
             <a:pPr lvl="1"/>
             <a:r>
-              <a:rPr lang="en-US" altLang="fr-FR" sz="2000" dirty="0" err="1" smtClean="0">
+              <a:rPr lang="en-US" altLang="fr-FR" sz="2000" dirty="0" err="1">
                 <a:solidFill>
                   <a:srgbClr val="000000"/>
                 </a:solidFill>
@@ -6714,7 +6532,7 @@
               <a:t>Créer</a:t>
             </a:r>
             <a:r>
-              <a:rPr lang="en-US" altLang="fr-FR" sz="2000" dirty="0" smtClean="0">
+              <a:rPr lang="en-US" altLang="fr-FR" sz="2000" dirty="0">
                 <a:solidFill>
                   <a:srgbClr val="000000"/>
                 </a:solidFill>
@@ -6722,7 +6540,7 @@
               <a:t> des instances de </a:t>
             </a:r>
             <a:r>
-              <a:rPr lang="en-US" altLang="fr-FR" sz="2000" dirty="0" err="1" smtClean="0">
+              <a:rPr lang="en-US" altLang="fr-FR" sz="2000" dirty="0" err="1">
                 <a:solidFill>
                   <a:srgbClr val="000000"/>
                 </a:solidFill>
@@ -6730,7 +6548,7 @@
               <a:t>ces</a:t>
             </a:r>
             <a:r>
-              <a:rPr lang="en-US" altLang="fr-FR" sz="2000" dirty="0" smtClean="0">
+              <a:rPr lang="en-US" altLang="fr-FR" sz="2000" dirty="0">
                 <a:solidFill>
                   <a:srgbClr val="000000"/>
                 </a:solidFill>
@@ -6738,7 +6556,7 @@
               <a:t> classes </a:t>
             </a:r>
             <a:r>
-              <a:rPr lang="en-US" altLang="fr-FR" sz="2000" dirty="0" err="1" smtClean="0">
+              <a:rPr lang="en-US" altLang="fr-FR" sz="2000" dirty="0" err="1">
                 <a:solidFill>
                   <a:srgbClr val="000000"/>
                 </a:solidFill>
@@ -6746,7 +6564,7 @@
               <a:t>n'a</a:t>
             </a:r>
             <a:r>
-              <a:rPr lang="en-US" altLang="fr-FR" sz="2000" dirty="0" smtClean="0">
+              <a:rPr lang="en-US" altLang="fr-FR" sz="2000" dirty="0">
                 <a:solidFill>
                   <a:srgbClr val="000000"/>
                 </a:solidFill>
@@ -6754,7 +6572,7 @@
               <a:t> </a:t>
             </a:r>
             <a:r>
-              <a:rPr lang="en-US" altLang="fr-FR" sz="2000" dirty="0" err="1" smtClean="0">
+              <a:rPr lang="en-US" altLang="fr-FR" sz="2000" dirty="0" err="1">
                 <a:solidFill>
                   <a:srgbClr val="000000"/>
                 </a:solidFill>
@@ -6762,7 +6580,7 @@
               <a:t>aucun</a:t>
             </a:r>
             <a:r>
-              <a:rPr lang="en-US" altLang="fr-FR" sz="2000" dirty="0" smtClean="0">
+              <a:rPr lang="en-US" altLang="fr-FR" sz="2000" dirty="0">
                 <a:solidFill>
                   <a:srgbClr val="000000"/>
                 </a:solidFill>
@@ -6770,19 +6588,19 @@
               <a:t> </a:t>
             </a:r>
             <a:r>
-              <a:rPr lang="en-US" altLang="fr-FR" sz="2000" dirty="0" err="1" smtClean="0">
+              <a:rPr lang="en-US" altLang="fr-FR" sz="2000" dirty="0" err="1">
                 <a:solidFill>
                   <a:srgbClr val="000000"/>
                 </a:solidFill>
               </a:rPr>
               <a:t>sens</a:t>
             </a:r>
-            <a:endParaRPr lang="en-GB" altLang="fr-FR" sz="2000" dirty="0" smtClean="0"/>
+            <a:endParaRPr lang="en-GB" altLang="fr-FR" sz="2000" dirty="0"/>
           </a:p>
           <a:p>
             <a:pPr lvl="1"/>
             <a:r>
-              <a:rPr lang="en-US" altLang="fr-FR" sz="2000" dirty="0" err="1" smtClean="0">
+              <a:rPr lang="en-US" altLang="fr-FR" sz="2000" dirty="0" err="1">
                 <a:solidFill>
                   <a:srgbClr val="000000"/>
                 </a:solidFill>
@@ -6790,7 +6608,7 @@
               <a:t>Ces</a:t>
             </a:r>
             <a:r>
-              <a:rPr lang="en-US" altLang="fr-FR" sz="2000" dirty="0" smtClean="0">
+              <a:rPr lang="en-US" altLang="fr-FR" sz="2000" dirty="0">
                 <a:solidFill>
                   <a:srgbClr val="000000"/>
                 </a:solidFill>
@@ -6798,7 +6616,7 @@
               <a:t> classes </a:t>
             </a:r>
             <a:r>
-              <a:rPr lang="en-US" altLang="fr-FR" sz="2000" dirty="0" err="1" smtClean="0">
+              <a:rPr lang="en-US" altLang="fr-FR" sz="2000" dirty="0" err="1">
                 <a:solidFill>
                   <a:srgbClr val="000000"/>
                 </a:solidFill>
@@ -6806,7 +6624,7 @@
               <a:t>sont</a:t>
             </a:r>
             <a:r>
-              <a:rPr lang="en-US" altLang="fr-FR" sz="2000" dirty="0" smtClean="0">
+              <a:rPr lang="en-US" altLang="fr-FR" sz="2000" dirty="0">
                 <a:solidFill>
                   <a:srgbClr val="000000"/>
                 </a:solidFill>
@@ -6814,14 +6632,14 @@
               <a:t> </a:t>
             </a:r>
             <a:r>
-              <a:rPr lang="en-US" altLang="fr-FR" sz="2000" i="1" dirty="0" err="1" smtClean="0">
+              <a:rPr lang="en-US" altLang="fr-FR" sz="2000" i="1" dirty="0" err="1">
                 <a:solidFill>
                   <a:srgbClr val="000000"/>
                 </a:solidFill>
               </a:rPr>
               <a:t>abstraites</a:t>
             </a:r>
-            <a:endParaRPr lang="en-GB" altLang="fr-FR" sz="2000" i="1" dirty="0" smtClean="0">
+            <a:endParaRPr lang="en-GB" altLang="fr-FR" sz="2000" i="1" dirty="0">
               <a:solidFill>
                 <a:srgbClr val="000000"/>
               </a:solidFill>
@@ -7898,163 +7716,10 @@
   <p:clrMapOvr>
     <a:masterClrMapping/>
   </p:clrMapOvr>
-  <p:timing>
-    <p:tnLst>
-      <p:par>
-        <p:cTn id="1" dur="indefinite" restart="never" nodeType="tmRoot"/>
-      </p:par>
-    </p:tnLst>
-  </p:timing>
 </p:sld>
 </file>
 
 <file path=ppt/slides/slide5.xml><?xml version="1.0" encoding="utf-8"?>
-<p:sld xmlns:a="http://schemas.openxmlformats.org/drawingml/2006/main" xmlns:r="http://schemas.openxmlformats.org/officeDocument/2006/relationships" xmlns:p="http://schemas.openxmlformats.org/presentationml/2006/main">
-  <p:cSld>
-    <p:spTree>
-      <p:nvGrpSpPr>
-        <p:cNvPr id="1" name=""/>
-        <p:cNvGrpSpPr/>
-        <p:nvPr/>
-      </p:nvGrpSpPr>
-      <p:grpSpPr>
-        <a:xfrm>
-          <a:off x="0" y="0"/>
-          <a:ext cx="0" cy="0"/>
-          <a:chOff x="0" y="0"/>
-          <a:chExt cx="0" cy="0"/>
-        </a:xfrm>
-      </p:grpSpPr>
-      <p:sp>
-        <p:nvSpPr>
-          <p:cNvPr id="2" name="Titre 1"/>
-          <p:cNvSpPr>
-            <a:spLocks noGrp="1"/>
-          </p:cNvSpPr>
-          <p:nvPr>
-            <p:ph type="title"/>
-          </p:nvPr>
-        </p:nvSpPr>
-        <p:spPr/>
-        <p:txBody>
-          <a:bodyPr/>
-          <a:lstStyle/>
-          <a:p>
-            <a:r>
-              <a:rPr lang="fr-FR" dirty="0" smtClean="0"/>
-              <a:t>Classe et méthodes abstraites en Python</a:t>
-            </a:r>
-            <a:endParaRPr lang="fr-FR" dirty="0"/>
-          </a:p>
-        </p:txBody>
-      </p:sp>
-      <p:sp>
-        <p:nvSpPr>
-          <p:cNvPr id="3" name="Espace réservé du contenu 2"/>
-          <p:cNvSpPr>
-            <a:spLocks noGrp="1"/>
-          </p:cNvSpPr>
-          <p:nvPr>
-            <p:ph idx="1"/>
-          </p:nvPr>
-        </p:nvSpPr>
-        <p:spPr/>
-        <p:txBody>
-          <a:bodyPr/>
-          <a:lstStyle/>
-          <a:p>
-            <a:r>
-              <a:rPr lang="fr-FR" dirty="0" smtClean="0"/>
-              <a:t>Les classes abstraites n’existent pas en Python</a:t>
-            </a:r>
-          </a:p>
-          <a:p>
-            <a:r>
-              <a:rPr lang="fr-FR" dirty="0" smtClean="0"/>
-              <a:t>Les méthodes abstraites n’existent pas en Python</a:t>
-            </a:r>
-          </a:p>
-          <a:p>
-            <a:pPr lvl="1"/>
-            <a:r>
-              <a:rPr lang="fr-FR" dirty="0" smtClean="0"/>
-              <a:t>La norme de codage est de créer la méthode dans la classe de base avec une </a:t>
-            </a:r>
-            <a:r>
-              <a:rPr lang="fr-FR" dirty="0" err="1" smtClean="0"/>
-              <a:t>NotImplementedError</a:t>
-            </a:r>
-            <a:r>
-              <a:rPr lang="fr-FR" dirty="0" smtClean="0"/>
-              <a:t> et de la </a:t>
-            </a:r>
-            <a:r>
-              <a:rPr lang="fr-FR" dirty="0"/>
-              <a:t>r</a:t>
-            </a:r>
-            <a:r>
-              <a:rPr lang="fr-FR" dirty="0" smtClean="0"/>
-              <a:t>edéfinir dans les classes dérivée</a:t>
-            </a:r>
-            <a:r>
-              <a:rPr lang="fr-FR" dirty="0"/>
-              <a:t> </a:t>
-            </a:r>
-            <a:r>
-              <a:rPr lang="fr-FR" dirty="0" smtClean="0"/>
-              <a:t>par polymorphisme</a:t>
-            </a:r>
-          </a:p>
-          <a:p>
-            <a:endParaRPr lang="fr-FR" dirty="0" smtClean="0"/>
-          </a:p>
-        </p:txBody>
-      </p:sp>
-      <p:pic>
-        <p:nvPicPr>
-          <p:cNvPr id="4" name="Image 3"/>
-          <p:cNvPicPr>
-            <a:picLocks noChangeAspect="1"/>
-          </p:cNvPicPr>
-          <p:nvPr/>
-        </p:nvPicPr>
-        <p:blipFill>
-          <a:blip r:embed="rId2"/>
-          <a:stretch>
-            <a:fillRect/>
-          </a:stretch>
-        </p:blipFill>
-        <p:spPr>
-          <a:xfrm>
-            <a:off x="1187624" y="3717032"/>
-            <a:ext cx="6480720" cy="2439511"/>
-          </a:xfrm>
-          <a:prstGeom prst="rect">
-            <a:avLst/>
-          </a:prstGeom>
-        </p:spPr>
-      </p:pic>
-    </p:spTree>
-    <p:extLst>
-      <p:ext uri="{BB962C8B-B14F-4D97-AF65-F5344CB8AC3E}">
-        <p14:creationId xmlns:p14="http://schemas.microsoft.com/office/powerpoint/2010/main" val="1426657324"/>
-      </p:ext>
-    </p:extLst>
-  </p:cSld>
-  <p:clrMapOvr>
-    <a:masterClrMapping/>
-  </p:clrMapOvr>
-  <p:timing>
-    <p:tnLst>
-      <p:par>
-        <p:cTn id="1" dur="indefinite" restart="never" nodeType="tmRoot"/>
-      </p:par>
-    </p:tnLst>
-  </p:timing>
-</p:sld>
-</file>
-
-<file path=ppt/slides/slide6.xml><?xml version="1.0" encoding="utf-8"?>
 <p:sld xmlns:a="http://schemas.openxmlformats.org/drawingml/2006/main" xmlns:r="http://schemas.openxmlformats.org/officeDocument/2006/relationships" xmlns:p="http://schemas.openxmlformats.org/presentationml/2006/main">
   <p:cSld>
     <p:spTree>
@@ -8245,14 +7910,14 @@
           <a:lstStyle/>
           <a:p>
             <a:r>
-              <a:rPr lang="en-US" altLang="fr-FR" smtClean="0">
+              <a:rPr lang="en-US" altLang="fr-FR">
                 <a:solidFill>
                   <a:srgbClr val="000000"/>
                 </a:solidFill>
               </a:rPr>
               <a:t>Interfaces</a:t>
             </a:r>
-            <a:endParaRPr lang="en-GB" altLang="fr-FR" smtClean="0"/>
+            <a:endParaRPr lang="en-GB" altLang="fr-FR"/>
           </a:p>
         </p:txBody>
       </p:sp>
@@ -8277,7 +7942,7 @@
           <a:lstStyle/>
           <a:p>
             <a:r>
-              <a:rPr lang="en-US" altLang="fr-FR" sz="2400" dirty="0" smtClean="0">
+              <a:rPr lang="en-US" altLang="fr-FR" sz="2400" dirty="0">
                 <a:solidFill>
                   <a:srgbClr val="000000"/>
                 </a:solidFill>
@@ -8285,7 +7950,7 @@
               <a:t>Les interfaces </a:t>
             </a:r>
             <a:r>
-              <a:rPr lang="en-US" altLang="fr-FR" sz="2400" dirty="0" err="1" smtClean="0">
+              <a:rPr lang="en-US" altLang="fr-FR" sz="2400" dirty="0" err="1">
                 <a:solidFill>
                   <a:srgbClr val="000000"/>
                 </a:solidFill>
@@ -8293,7 +7958,7 @@
               <a:t>contiennent</a:t>
             </a:r>
             <a:r>
-              <a:rPr lang="en-US" altLang="fr-FR" sz="2400" dirty="0" smtClean="0">
+              <a:rPr lang="en-US" altLang="fr-FR" sz="2400" dirty="0">
                 <a:solidFill>
                   <a:srgbClr val="000000"/>
                 </a:solidFill>
@@ -8301,7 +7966,7 @@
               <a:t> </a:t>
             </a:r>
             <a:r>
-              <a:rPr lang="en-US" altLang="fr-FR" sz="2400" dirty="0" err="1" smtClean="0">
+              <a:rPr lang="en-US" altLang="fr-FR" sz="2400" dirty="0" err="1">
                 <a:solidFill>
                   <a:srgbClr val="000000"/>
                 </a:solidFill>
@@ -8309,7 +7974,7 @@
               <a:t>uniquement</a:t>
             </a:r>
             <a:r>
-              <a:rPr lang="en-US" altLang="fr-FR" sz="2400" dirty="0" smtClean="0">
+              <a:rPr lang="en-US" altLang="fr-FR" sz="2400" dirty="0">
                 <a:solidFill>
                   <a:srgbClr val="000000"/>
                 </a:solidFill>
@@ -8317,7 +7982,7 @@
               <a:t> des </a:t>
             </a:r>
             <a:r>
-              <a:rPr lang="en-US" altLang="fr-FR" sz="2400" dirty="0" err="1" smtClean="0">
+              <a:rPr lang="en-US" altLang="fr-FR" sz="2400" dirty="0" err="1">
                 <a:solidFill>
                   <a:srgbClr val="000000"/>
                 </a:solidFill>
@@ -8325,7 +7990,7 @@
               <a:t>opérations</a:t>
             </a:r>
             <a:r>
-              <a:rPr lang="en-US" altLang="fr-FR" sz="2400" dirty="0" smtClean="0">
+              <a:rPr lang="en-US" altLang="fr-FR" sz="2400" dirty="0">
                 <a:solidFill>
                   <a:srgbClr val="000000"/>
                 </a:solidFill>
@@ -8333,14 +7998,14 @@
               <a:t>, pas </a:t>
             </a:r>
             <a:r>
-              <a:rPr lang="en-US" altLang="fr-FR" sz="2400" dirty="0" err="1" smtClean="0">
+              <a:rPr lang="en-US" altLang="fr-FR" sz="2400" dirty="0" err="1">
                 <a:solidFill>
                   <a:srgbClr val="000000"/>
                 </a:solidFill>
               </a:rPr>
               <a:t>d'implémentation</a:t>
             </a:r>
-            <a:endParaRPr lang="en-GB" altLang="fr-FR" sz="2400" dirty="0" smtClean="0"/>
+            <a:endParaRPr lang="en-GB" altLang="fr-FR" sz="2400" dirty="0"/>
           </a:p>
         </p:txBody>
       </p:sp>
@@ -9808,13 +9473,113 @@
   <p:clrMapOvr>
     <a:masterClrMapping/>
   </p:clrMapOvr>
-  <p:timing>
-    <p:tnLst>
-      <p:par>
-        <p:cTn id="1" dur="indefinite" restart="never" nodeType="tmRoot"/>
-      </p:par>
-    </p:tnLst>
-  </p:timing>
+</p:sld>
+</file>
+
+<file path=ppt/slides/slide6.xml><?xml version="1.0" encoding="utf-8"?>
+<p:sld xmlns:a="http://schemas.openxmlformats.org/drawingml/2006/main" xmlns:r="http://schemas.openxmlformats.org/officeDocument/2006/relationships" xmlns:p="http://schemas.openxmlformats.org/presentationml/2006/main">
+  <p:cSld>
+    <p:spTree>
+      <p:nvGrpSpPr>
+        <p:cNvPr id="1" name=""/>
+        <p:cNvGrpSpPr/>
+        <p:nvPr/>
+      </p:nvGrpSpPr>
+      <p:grpSpPr>
+        <a:xfrm>
+          <a:off x="0" y="0"/>
+          <a:ext cx="0" cy="0"/>
+          <a:chOff x="0" y="0"/>
+          <a:chExt cx="0" cy="0"/>
+        </a:xfrm>
+      </p:grpSpPr>
+      <p:sp>
+        <p:nvSpPr>
+          <p:cNvPr id="2" name="Titre 1"/>
+          <p:cNvSpPr>
+            <a:spLocks noGrp="1"/>
+          </p:cNvSpPr>
+          <p:nvPr>
+            <p:ph type="title"/>
+          </p:nvPr>
+        </p:nvSpPr>
+        <p:spPr/>
+        <p:txBody>
+          <a:bodyPr/>
+          <a:lstStyle/>
+          <a:p>
+            <a:r>
+              <a:rPr lang="fr-FR" dirty="0"/>
+              <a:t>Interfaces en Python</a:t>
+            </a:r>
+          </a:p>
+        </p:txBody>
+      </p:sp>
+      <p:sp>
+        <p:nvSpPr>
+          <p:cNvPr id="3" name="Espace réservé du contenu 2"/>
+          <p:cNvSpPr>
+            <a:spLocks noGrp="1"/>
+          </p:cNvSpPr>
+          <p:nvPr>
+            <p:ph idx="1"/>
+          </p:nvPr>
+        </p:nvSpPr>
+        <p:spPr/>
+        <p:txBody>
+          <a:bodyPr/>
+          <a:lstStyle/>
+          <a:p>
+            <a:r>
+              <a:rPr lang="fr-FR" dirty="0"/>
+              <a:t>En Python il </a:t>
+            </a:r>
+            <a:r>
+              <a:rPr lang="fr-FR"/>
+              <a:t>n’y a </a:t>
+            </a:r>
+            <a:r>
+              <a:rPr lang="fr-FR" dirty="0"/>
+              <a:t>pas de concept d’interface</a:t>
+            </a:r>
+          </a:p>
+          <a:p>
+            <a:pPr lvl="1"/>
+            <a:r>
+              <a:rPr lang="fr-FR" dirty="0"/>
+              <a:t>Possibilité d’utiliser les Abstract Bases Classes</a:t>
+            </a:r>
+          </a:p>
+          <a:p>
+            <a:pPr lvl="1"/>
+            <a:r>
+              <a:rPr lang="fr-FR" dirty="0"/>
+              <a:t>Ou bien coder une </a:t>
+            </a:r>
+            <a:r>
+              <a:rPr lang="fr-FR" dirty="0" err="1"/>
+              <a:t>meta</a:t>
+            </a:r>
+            <a:r>
+              <a:rPr lang="fr-FR" dirty="0"/>
+              <a:t>-classe</a:t>
+            </a:r>
+          </a:p>
+          <a:p>
+            <a:endParaRPr lang="fr-FR" dirty="0"/>
+          </a:p>
+        </p:txBody>
+      </p:sp>
+    </p:spTree>
+    <p:extLst>
+      <p:ext uri="{BB962C8B-B14F-4D97-AF65-F5344CB8AC3E}">
+        <p14:creationId xmlns:p14="http://schemas.microsoft.com/office/powerpoint/2010/main" val="1017299903"/>
+      </p:ext>
+    </p:extLst>
+  </p:cSld>
+  <p:clrMapOvr>
+    <a:masterClrMapping/>
+  </p:clrMapOvr>
 </p:sld>
 </file>
 
@@ -9851,10 +9616,9 @@
           <a:lstStyle/>
           <a:p>
             <a:r>
-              <a:rPr lang="fr-FR" dirty="0" smtClean="0"/>
-              <a:t>Interfaces en Python</a:t>
-            </a:r>
-            <a:endParaRPr lang="fr-FR" dirty="0"/>
+              <a:rPr lang="fr-FR" dirty="0"/>
+              <a:t>Module abc</a:t>
+            </a:r>
           </a:p>
         </p:txBody>
       </p:sp>
@@ -9874,62 +9638,78 @@
           <a:lstStyle/>
           <a:p>
             <a:r>
-              <a:rPr lang="fr-FR" dirty="0" smtClean="0"/>
-              <a:t>En Python il </a:t>
-            </a:r>
-            <a:r>
-              <a:rPr lang="fr-FR" smtClean="0"/>
-              <a:t>n’y a </a:t>
-            </a:r>
-            <a:r>
-              <a:rPr lang="fr-FR" dirty="0" smtClean="0"/>
-              <a:t>pas de concept d’interface</a:t>
+              <a:rPr lang="fr-FR" dirty="0"/>
+              <a:t>Abstract Base Class (ABC)</a:t>
+            </a:r>
+          </a:p>
+          <a:p>
+            <a:r>
+              <a:rPr lang="fr-FR" dirty="0"/>
+              <a:t>Permet de palier les faiblesses objets de Python</a:t>
+            </a:r>
+          </a:p>
+          <a:p>
+            <a:r>
+              <a:rPr lang="fr-FR" dirty="0"/>
+              <a:t>Utilisation</a:t>
             </a:r>
           </a:p>
           <a:p>
             <a:pPr lvl="1"/>
             <a:r>
-              <a:rPr lang="fr-FR" dirty="0" smtClean="0"/>
-              <a:t>Possibilité d’utiliser les Abstract Bases Classes</a:t>
+              <a:rPr lang="fr-FR" dirty="0"/>
+              <a:t>Import abc</a:t>
+            </a:r>
+          </a:p>
+          <a:p>
+            <a:r>
+              <a:rPr lang="fr-FR" dirty="0"/>
+              <a:t>Création d’une classe abstraite</a:t>
             </a:r>
           </a:p>
           <a:p>
             <a:pPr lvl="1"/>
             <a:r>
-              <a:rPr lang="fr-FR" dirty="0" smtClean="0"/>
-              <a:t>Ou bien coder une </a:t>
-            </a:r>
-            <a:r>
-              <a:rPr lang="fr-FR" dirty="0" err="1" smtClean="0"/>
-              <a:t>meta</a:t>
-            </a:r>
-            <a:r>
-              <a:rPr lang="fr-FR" dirty="0" smtClean="0"/>
-              <a:t>-classe</a:t>
-            </a:r>
-          </a:p>
-          <a:p>
-            <a:endParaRPr lang="fr-FR" dirty="0"/>
+              <a:rPr lang="fr-FR" dirty="0"/>
+              <a:t>class </a:t>
+            </a:r>
+            <a:r>
+              <a:rPr lang="fr-FR" dirty="0" err="1"/>
+              <a:t>AbstractClass</a:t>
+            </a:r>
+            <a:r>
+              <a:rPr lang="fr-FR" dirty="0"/>
+              <a:t>(</a:t>
+            </a:r>
+            <a:r>
+              <a:rPr lang="fr-FR" dirty="0" err="1"/>
+              <a:t>metaclass</a:t>
+            </a:r>
+            <a:r>
+              <a:rPr lang="fr-FR" dirty="0"/>
+              <a:t>=</a:t>
+            </a:r>
+            <a:r>
+              <a:rPr lang="fr-FR" dirty="0" err="1"/>
+              <a:t>abc.ABCMeta</a:t>
+            </a:r>
+            <a:r>
+              <a:rPr lang="fr-FR" dirty="0"/>
+              <a:t>)</a:t>
+            </a:r>
           </a:p>
         </p:txBody>
       </p:sp>
     </p:spTree>
     <p:extLst>
       <p:ext uri="{BB962C8B-B14F-4D97-AF65-F5344CB8AC3E}">
-        <p14:creationId xmlns:p14="http://schemas.microsoft.com/office/powerpoint/2010/main" val="1017299903"/>
+        <p14:creationId xmlns:p14="http://schemas.microsoft.com/office/powerpoint/2010/main" val="1849225153"/>
       </p:ext>
     </p:extLst>
   </p:cSld>
   <p:clrMapOvr>
     <a:masterClrMapping/>
   </p:clrMapOvr>
-  <p:timing>
-    <p:tnLst>
-      <p:par>
-        <p:cTn id="1" dur="indefinite" restart="never" nodeType="tmRoot"/>
-      </p:par>
-    </p:tnLst>
-  </p:timing>
 </p:sld>
 </file>
 
@@ -9966,10 +9746,9 @@
           <a:lstStyle/>
           <a:p>
             <a:r>
-              <a:rPr lang="fr-FR" dirty="0" smtClean="0"/>
-              <a:t>Module abc</a:t>
-            </a:r>
-            <a:endParaRPr lang="fr-FR" dirty="0"/>
+              <a:rPr lang="fr-FR" dirty="0"/>
+              <a:t>Méthodes abstraites ABC</a:t>
+            </a:r>
           </a:p>
         </p:txBody>
       </p:sp>
@@ -9989,172 +9768,34 @@
           <a:lstStyle/>
           <a:p>
             <a:r>
-              <a:rPr lang="fr-FR" dirty="0" smtClean="0"/>
-              <a:t>Abstract Base Class (ABC)</a:t>
-            </a:r>
-          </a:p>
-          <a:p>
-            <a:r>
-              <a:rPr lang="fr-FR" dirty="0" smtClean="0"/>
-              <a:t>Permet de palier les faiblesses objets de Python</a:t>
-            </a:r>
-          </a:p>
-          <a:p>
-            <a:r>
-              <a:rPr lang="fr-FR" dirty="0" smtClean="0"/>
-              <a:t>Utilisation</a:t>
-            </a:r>
-          </a:p>
-          <a:p>
-            <a:pPr lvl="1"/>
-            <a:r>
-              <a:rPr lang="fr-FR" dirty="0" smtClean="0"/>
-              <a:t>Import abc</a:t>
-            </a:r>
-          </a:p>
-          <a:p>
-            <a:r>
-              <a:rPr lang="fr-FR" dirty="0" smtClean="0"/>
-              <a:t>Création d’une classe abstraite</a:t>
-            </a:r>
-          </a:p>
-          <a:p>
-            <a:pPr lvl="1"/>
-            <a:r>
-              <a:rPr lang="fr-FR" dirty="0" smtClean="0"/>
-              <a:t>class </a:t>
-            </a:r>
-            <a:r>
-              <a:rPr lang="fr-FR" dirty="0" err="1" smtClean="0"/>
-              <a:t>AbstractClass</a:t>
-            </a:r>
-            <a:r>
-              <a:rPr lang="fr-FR" dirty="0" smtClean="0"/>
-              <a:t>(</a:t>
-            </a:r>
-            <a:r>
-              <a:rPr lang="fr-FR" dirty="0" err="1" smtClean="0"/>
-              <a:t>metaclass</a:t>
-            </a:r>
-            <a:r>
-              <a:rPr lang="fr-FR" dirty="0" smtClean="0"/>
-              <a:t>=</a:t>
-            </a:r>
-            <a:r>
-              <a:rPr lang="fr-FR" dirty="0" err="1" smtClean="0"/>
-              <a:t>abc.ABCMeta</a:t>
-            </a:r>
-            <a:r>
-              <a:rPr lang="fr-FR" dirty="0" smtClean="0"/>
-              <a:t>)</a:t>
-            </a:r>
-          </a:p>
-        </p:txBody>
-      </p:sp>
-    </p:spTree>
-    <p:extLst>
-      <p:ext uri="{BB962C8B-B14F-4D97-AF65-F5344CB8AC3E}">
-        <p14:creationId xmlns:p14="http://schemas.microsoft.com/office/powerpoint/2010/main" val="1849225153"/>
-      </p:ext>
-    </p:extLst>
-  </p:cSld>
-  <p:clrMapOvr>
-    <a:masterClrMapping/>
-  </p:clrMapOvr>
-  <p:timing>
-    <p:tnLst>
-      <p:par>
-        <p:cTn id="1" dur="indefinite" restart="never" nodeType="tmRoot"/>
-      </p:par>
-    </p:tnLst>
-  </p:timing>
-</p:sld>
-</file>
-
-<file path=ppt/slides/slide9.xml><?xml version="1.0" encoding="utf-8"?>
-<p:sld xmlns:a="http://schemas.openxmlformats.org/drawingml/2006/main" xmlns:r="http://schemas.openxmlformats.org/officeDocument/2006/relationships" xmlns:p="http://schemas.openxmlformats.org/presentationml/2006/main">
-  <p:cSld>
-    <p:spTree>
-      <p:nvGrpSpPr>
-        <p:cNvPr id="1" name=""/>
-        <p:cNvGrpSpPr/>
-        <p:nvPr/>
-      </p:nvGrpSpPr>
-      <p:grpSpPr>
-        <a:xfrm>
-          <a:off x="0" y="0"/>
-          <a:ext cx="0" cy="0"/>
-          <a:chOff x="0" y="0"/>
-          <a:chExt cx="0" cy="0"/>
-        </a:xfrm>
-      </p:grpSpPr>
-      <p:sp>
-        <p:nvSpPr>
-          <p:cNvPr id="2" name="Titre 1"/>
-          <p:cNvSpPr>
-            <a:spLocks noGrp="1"/>
-          </p:cNvSpPr>
-          <p:nvPr>
-            <p:ph type="title"/>
-          </p:nvPr>
-        </p:nvSpPr>
-        <p:spPr/>
-        <p:txBody>
-          <a:bodyPr/>
-          <a:lstStyle/>
-          <a:p>
-            <a:r>
-              <a:rPr lang="fr-FR" dirty="0" smtClean="0"/>
-              <a:t>Méthodes abstraites ABC</a:t>
+              <a:rPr lang="fr-FR" dirty="0"/>
+              <a:t>Décorateur </a:t>
+            </a:r>
+            <a:r>
+              <a:rPr lang="fr-FR" dirty="0" err="1"/>
+              <a:t>abc.abstractmethod</a:t>
             </a:r>
             <a:endParaRPr lang="fr-FR" dirty="0"/>
           </a:p>
-        </p:txBody>
-      </p:sp>
-      <p:sp>
-        <p:nvSpPr>
-          <p:cNvPr id="3" name="Espace réservé du contenu 2"/>
-          <p:cNvSpPr>
-            <a:spLocks noGrp="1"/>
-          </p:cNvSpPr>
-          <p:nvPr>
-            <p:ph idx="1"/>
-          </p:nvPr>
-        </p:nvSpPr>
-        <p:spPr/>
-        <p:txBody>
-          <a:bodyPr/>
-          <a:lstStyle/>
-          <a:p>
-            <a:r>
-              <a:rPr lang="fr-FR" dirty="0" smtClean="0"/>
-              <a:t>Décorateur </a:t>
-            </a:r>
-            <a:r>
-              <a:rPr lang="fr-FR" dirty="0" err="1" smtClean="0"/>
-              <a:t>abc.abstractmethod</a:t>
-            </a:r>
-            <a:endParaRPr lang="fr-FR" dirty="0" smtClean="0"/>
-          </a:p>
           <a:p>
             <a:endParaRPr lang="fr-FR" dirty="0"/>
           </a:p>
           <a:p>
-            <a:endParaRPr lang="fr-FR" dirty="0" smtClean="0"/>
-          </a:p>
-          <a:p>
-            <a:endParaRPr lang="fr-FR" dirty="0" smtClean="0"/>
-          </a:p>
-          <a:p>
-            <a:r>
-              <a:rPr lang="fr-FR" dirty="0" smtClean="0"/>
+            <a:endParaRPr lang="fr-FR" dirty="0"/>
+          </a:p>
+          <a:p>
+            <a:endParaRPr lang="fr-FR" dirty="0"/>
+          </a:p>
+          <a:p>
+            <a:r>
+              <a:rPr lang="fr-FR" dirty="0"/>
               <a:t>Marche avec </a:t>
             </a:r>
             <a:r>
-              <a:rPr lang="fr-FR" smtClean="0"/>
+              <a:rPr lang="fr-FR"/>
               <a:t>les propriétés</a:t>
             </a:r>
-            <a:endParaRPr lang="fr-FR" dirty="0" smtClean="0"/>
+            <a:endParaRPr lang="fr-FR" dirty="0"/>
           </a:p>
         </p:txBody>
       </p:sp>
@@ -10192,13 +9833,128 @@
   <p:clrMapOvr>
     <a:masterClrMapping/>
   </p:clrMapOvr>
-  <p:timing>
-    <p:tnLst>
-      <p:par>
-        <p:cTn id="1" dur="indefinite" restart="never" nodeType="tmRoot"/>
-      </p:par>
-    </p:tnLst>
-  </p:timing>
+</p:sld>
+</file>
+
+<file path=ppt/slides/slide9.xml><?xml version="1.0" encoding="utf-8"?>
+<p:sld xmlns:a="http://schemas.openxmlformats.org/drawingml/2006/main" xmlns:r="http://schemas.openxmlformats.org/officeDocument/2006/relationships" xmlns:p="http://schemas.openxmlformats.org/presentationml/2006/main">
+  <p:cSld>
+    <p:spTree>
+      <p:nvGrpSpPr>
+        <p:cNvPr id="1" name=""/>
+        <p:cNvGrpSpPr/>
+        <p:nvPr/>
+      </p:nvGrpSpPr>
+      <p:grpSpPr>
+        <a:xfrm>
+          <a:off x="0" y="0"/>
+          <a:ext cx="0" cy="0"/>
+          <a:chOff x="0" y="0"/>
+          <a:chExt cx="0" cy="0"/>
+        </a:xfrm>
+      </p:grpSpPr>
+      <p:sp>
+        <p:nvSpPr>
+          <p:cNvPr id="2" name="Titre 1"/>
+          <p:cNvSpPr>
+            <a:spLocks noGrp="1"/>
+          </p:cNvSpPr>
+          <p:nvPr>
+            <p:ph type="title"/>
+          </p:nvPr>
+        </p:nvSpPr>
+        <p:spPr/>
+        <p:txBody>
+          <a:bodyPr/>
+          <a:lstStyle/>
+          <a:p>
+            <a:r>
+              <a:rPr lang="fr-FR" dirty="0"/>
+              <a:t>Redéfinition ABC</a:t>
+            </a:r>
+          </a:p>
+        </p:txBody>
+      </p:sp>
+      <p:sp>
+        <p:nvSpPr>
+          <p:cNvPr id="3" name="Espace réservé du contenu 2"/>
+          <p:cNvSpPr>
+            <a:spLocks noGrp="1"/>
+          </p:cNvSpPr>
+          <p:nvPr>
+            <p:ph idx="1"/>
+          </p:nvPr>
+        </p:nvSpPr>
+        <p:spPr/>
+        <p:txBody>
+          <a:bodyPr/>
+          <a:lstStyle/>
+          <a:p>
+            <a:r>
+              <a:rPr lang="fr-FR" dirty="0"/>
+              <a:t>Rien à faire !</a:t>
+            </a:r>
+          </a:p>
+          <a:p>
+            <a:pPr lvl="1"/>
+            <a:r>
+              <a:rPr lang="fr-FR" dirty="0"/>
+              <a:t>Comme Java</a:t>
+            </a:r>
+          </a:p>
+          <a:p>
+            <a:pPr lvl="1"/>
+            <a:r>
+              <a:rPr lang="fr-FR" dirty="0"/>
+              <a:t>Toutes les méthodes et propriétés abstraites doivent être implémentés</a:t>
+            </a:r>
+          </a:p>
+          <a:p>
+            <a:pPr lvl="2"/>
+            <a:r>
+              <a:rPr lang="fr-FR" dirty="0"/>
+              <a:t>Sinon erreur lors de l’instanciation</a:t>
+            </a:r>
+          </a:p>
+          <a:p>
+            <a:endParaRPr lang="fr-FR" dirty="0"/>
+          </a:p>
+        </p:txBody>
+      </p:sp>
+      <p:pic>
+        <p:nvPicPr>
+          <p:cNvPr id="6" name="Image 5"/>
+          <p:cNvPicPr>
+            <a:picLocks noChangeAspect="1"/>
+          </p:cNvPicPr>
+          <p:nvPr/>
+        </p:nvPicPr>
+        <p:blipFill>
+          <a:blip r:embed="rId2"/>
+          <a:stretch>
+            <a:fillRect/>
+          </a:stretch>
+        </p:blipFill>
+        <p:spPr>
+          <a:xfrm>
+            <a:off x="5508104" y="3284984"/>
+            <a:ext cx="3308576" cy="2891847"/>
+          </a:xfrm>
+          <a:prstGeom prst="rect">
+            <a:avLst/>
+          </a:prstGeom>
+        </p:spPr>
+      </p:pic>
+    </p:spTree>
+    <p:extLst>
+      <p:ext uri="{BB962C8B-B14F-4D97-AF65-F5344CB8AC3E}">
+        <p14:creationId xmlns:p14="http://schemas.microsoft.com/office/powerpoint/2010/main" val="3339144570"/>
+      </p:ext>
+    </p:extLst>
+  </p:cSld>
+  <p:clrMapOvr>
+    <a:masterClrMapping/>
+  </p:clrMapOvr>
 </p:sld>
 </file>
 
